--- a/day_1_december_3/Angular_Demo_NareshIT.pptx
+++ b/day_1_december_3/Angular_Demo_NareshIT.pptx
@@ -290,7 +290,7 @@
               <a:pPr>
                 <a:defRPr/>
               </a:pPr>
-              <a:t>12/2/2025</a:t>
+              <a:t>12/3/2025</a:t>
             </a:fld>
             <a:endParaRPr lang="en-US"/>
           </a:p>
@@ -1003,7 +1003,7 @@
               <a:pPr>
                 <a:defRPr/>
               </a:pPr>
-              <a:t>12/2/2025</a:t>
+              <a:t>12/3/2025</a:t>
             </a:fld>
             <a:endParaRPr lang="en-US"/>
           </a:p>
@@ -1216,7 +1216,7 @@
               <a:pPr>
                 <a:defRPr/>
               </a:pPr>
-              <a:t>12/2/2025</a:t>
+              <a:t>12/3/2025</a:t>
             </a:fld>
             <a:endParaRPr lang="en-US"/>
           </a:p>
@@ -1439,7 +1439,7 @@
               <a:pPr>
                 <a:defRPr/>
               </a:pPr>
-              <a:t>12/2/2025</a:t>
+              <a:t>12/3/2025</a:t>
             </a:fld>
             <a:endParaRPr lang="en-US"/>
           </a:p>
@@ -2620,7 +2620,7 @@
               <a:pPr>
                 <a:defRPr/>
               </a:pPr>
-              <a:t>12/2/2025</a:t>
+              <a:t>12/3/2025</a:t>
             </a:fld>
             <a:endParaRPr lang="en-US"/>
           </a:p>
@@ -2910,7 +2910,7 @@
               <a:pPr>
                 <a:defRPr/>
               </a:pPr>
-              <a:t>12/2/2025</a:t>
+              <a:t>12/3/2025</a:t>
             </a:fld>
             <a:endParaRPr lang="en-US"/>
           </a:p>
@@ -3240,7 +3240,7 @@
               <a:pPr>
                 <a:defRPr/>
               </a:pPr>
-              <a:t>12/2/2025</a:t>
+              <a:t>12/3/2025</a:t>
             </a:fld>
             <a:endParaRPr lang="en-US"/>
           </a:p>
@@ -3704,7 +3704,7 @@
               <a:pPr>
                 <a:defRPr/>
               </a:pPr>
-              <a:t>12/2/2025</a:t>
+              <a:t>12/3/2025</a:t>
             </a:fld>
             <a:endParaRPr lang="en-US"/>
           </a:p>
@@ -3866,7 +3866,7 @@
               <a:pPr>
                 <a:defRPr/>
               </a:pPr>
-              <a:t>12/2/2025</a:t>
+              <a:t>12/3/2025</a:t>
             </a:fld>
             <a:endParaRPr lang="en-US"/>
           </a:p>
@@ -4006,7 +4006,7 @@
               <a:pPr>
                 <a:defRPr/>
               </a:pPr>
-              <a:t>12/2/2025</a:t>
+              <a:t>12/3/2025</a:t>
             </a:fld>
             <a:endParaRPr lang="en-US"/>
           </a:p>
@@ -4326,7 +4326,7 @@
               <a:pPr>
                 <a:defRPr/>
               </a:pPr>
-              <a:t>12/2/2025</a:t>
+              <a:t>12/3/2025</a:t>
             </a:fld>
             <a:endParaRPr lang="en-US"/>
           </a:p>
@@ -4626,7 +4626,7 @@
               <a:pPr>
                 <a:defRPr/>
               </a:pPr>
-              <a:t>12/2/2025</a:t>
+              <a:t>12/3/2025</a:t>
             </a:fld>
             <a:endParaRPr lang="en-US"/>
           </a:p>
@@ -4952,7 +4952,7 @@
               <a:pPr>
                 <a:defRPr/>
               </a:pPr>
-              <a:t>12/2/2025</a:t>
+              <a:t>12/3/2025</a:t>
             </a:fld>
             <a:endParaRPr lang="en-US"/>
           </a:p>
@@ -10048,6 +10048,16 @@
             <a:r>
               <a:rPr lang="en-IN" sz="1600" dirty="0"/>
               <a:t>Unit testing (Jasmine + Karma)</a:t>
+            </a:r>
+          </a:p>
+          <a:p>
+            <a:pPr marL="285750" indent="-285750">
+              <a:buFont typeface="Wingdings" panose="05000000000000000000" pitchFamily="2" charset="2"/>
+              <a:buChar char="Ø"/>
+            </a:pPr>
+            <a:r>
+              <a:rPr lang="en-IN" sz="1600" dirty="0"/>
+              <a:t>Debugging</a:t>
             </a:r>
           </a:p>
           <a:p>
